--- a/Presentation.pptx
+++ b/Presentation.pptx
@@ -15,10 +15,11 @@
     <p:sldId id="267" r:id="rId9"/>
     <p:sldId id="268" r:id="rId10"/>
     <p:sldId id="269" r:id="rId11"/>
-    <p:sldId id="260" r:id="rId12"/>
-    <p:sldId id="261" r:id="rId13"/>
-    <p:sldId id="262" r:id="rId14"/>
-    <p:sldId id="263" r:id="rId15"/>
+    <p:sldId id="261" r:id="rId12"/>
+    <p:sldId id="270" r:id="rId13"/>
+    <p:sldId id="260" r:id="rId14"/>
+    <p:sldId id="262" r:id="rId15"/>
+    <p:sldId id="263" r:id="rId16"/>
   </p:sldIdLst>
   <p:sldSz cx="12192000" cy="6858000"/>
   <p:notesSz cx="6858000" cy="9144000"/>
@@ -117,6 +118,11 @@
       </a:defRPr>
     </a:lvl9pPr>
   </p:defaultTextStyle>
+  <p:extLst>
+    <p:ext uri="{EFAFB233-063F-42B5-8137-9DF3F51BA10A}">
+      <p15:sldGuideLst xmlns:p15="http://schemas.microsoft.com/office/powerpoint/2012/main"/>
+    </p:ext>
+  </p:extLst>
 </p:presentation>
 </file>
 
@@ -3304,7 +3310,7 @@
           <a:effectLst/>
           <a:extLst>
             <a:ext uri="{91240B29-F687-4f45-9708-019B960494DF}">
-              <a14:hiddenLine xmlns:a14="http://schemas.microsoft.com/office/drawing/2010/main" xmlns="" w="9525">
+              <a14:hiddenLine xmlns="" xmlns:a14="http://schemas.microsoft.com/office/drawing/2010/main" w="9525">
                 <a:solidFill>
                   <a:srgbClr val="000000"/>
                 </a:solidFill>
@@ -3496,7 +3502,7 @@
           <a:p>
             <a:fld id="{3204155D-975E-45C8-9D57-F1D1A3FC53D3}" type="datetimeFigureOut">
               <a:rPr lang="en-US" smtClean="0"/>
-              <a:t>12/3/2018</a:t>
+              <a:t>12/4/2018</a:t>
             </a:fld>
             <a:endParaRPr lang="en-US"/>
           </a:p>
@@ -3814,7 +3820,7 @@
           <a:p>
             <a:fld id="{3204155D-975E-45C8-9D57-F1D1A3FC53D3}" type="datetimeFigureOut">
               <a:rPr lang="en-US" smtClean="0"/>
-              <a:t>12/3/2018</a:t>
+              <a:t>12/4/2018</a:t>
             </a:fld>
             <a:endParaRPr lang="en-US"/>
           </a:p>
@@ -4302,7 +4308,7 @@
           <a:p>
             <a:fld id="{3204155D-975E-45C8-9D57-F1D1A3FC53D3}" type="datetimeFigureOut">
               <a:rPr lang="en-US" smtClean="0"/>
-              <a:t>12/3/2018</a:t>
+              <a:t>12/4/2018</a:t>
             </a:fld>
             <a:endParaRPr lang="en-US"/>
           </a:p>
@@ -4671,7 +4677,7 @@
           <a:p>
             <a:fld id="{3204155D-975E-45C8-9D57-F1D1A3FC53D3}" type="datetimeFigureOut">
               <a:rPr lang="en-US" smtClean="0"/>
-              <a:t>12/3/2018</a:t>
+              <a:t>12/4/2018</a:t>
             </a:fld>
             <a:endParaRPr lang="en-US"/>
           </a:p>
@@ -4826,7 +4832,7 @@
           <a:ln/>
           <a:extLst>
             <a:ext uri="{91240B29-F687-4f45-9708-019B960494DF}">
-              <a14:hiddenLine xmlns:a14="http://schemas.microsoft.com/office/drawing/2010/main" xmlns="" w="9525">
+              <a14:hiddenLine xmlns="" xmlns:a14="http://schemas.microsoft.com/office/drawing/2010/main" w="9525">
                 <a:solidFill>
                   <a:srgbClr val="000000"/>
                 </a:solidFill>
@@ -4944,7 +4950,7 @@
           <a:p>
             <a:fld id="{3204155D-975E-45C8-9D57-F1D1A3FC53D3}" type="datetimeFigureOut">
               <a:rPr lang="en-US" smtClean="0"/>
-              <a:t>12/3/2018</a:t>
+              <a:t>12/4/2018</a:t>
             </a:fld>
             <a:endParaRPr lang="en-US"/>
           </a:p>
@@ -5101,7 +5107,7 @@
           <a:ln/>
           <a:extLst>
             <a:ext uri="{91240B29-F687-4f45-9708-019B960494DF}">
-              <a14:hiddenLine xmlns:a14="http://schemas.microsoft.com/office/drawing/2010/main" xmlns="" w="9525">
+              <a14:hiddenLine xmlns="" xmlns:a14="http://schemas.microsoft.com/office/drawing/2010/main" w="9525">
                 <a:solidFill>
                   <a:srgbClr val="000000"/>
                 </a:solidFill>
@@ -5229,7 +5235,7 @@
           <a:p>
             <a:fld id="{3204155D-975E-45C8-9D57-F1D1A3FC53D3}" type="datetimeFigureOut">
               <a:rPr lang="en-US" smtClean="0"/>
-              <a:t>12/3/2018</a:t>
+              <a:t>12/4/2018</a:t>
             </a:fld>
             <a:endParaRPr lang="en-US"/>
           </a:p>
@@ -5384,7 +5390,7 @@
           <a:ln/>
           <a:extLst>
             <a:ext uri="{91240B29-F687-4f45-9708-019B960494DF}">
-              <a14:hiddenLine xmlns:a14="http://schemas.microsoft.com/office/drawing/2010/main" xmlns="" w="9525">
+              <a14:hiddenLine xmlns="" xmlns:a14="http://schemas.microsoft.com/office/drawing/2010/main" w="9525">
                 <a:solidFill>
                   <a:srgbClr val="000000"/>
                 </a:solidFill>
@@ -5512,7 +5518,7 @@
           <a:p>
             <a:fld id="{3204155D-975E-45C8-9D57-F1D1A3FC53D3}" type="datetimeFigureOut">
               <a:rPr lang="en-US" smtClean="0"/>
-              <a:t>12/3/2018</a:t>
+              <a:t>12/4/2018</a:t>
             </a:fld>
             <a:endParaRPr lang="en-US"/>
           </a:p>
@@ -5855,7 +5861,7 @@
           <a:p>
             <a:fld id="{3204155D-975E-45C8-9D57-F1D1A3FC53D3}" type="datetimeFigureOut">
               <a:rPr lang="en-US" smtClean="0"/>
-              <a:t>12/3/2018</a:t>
+              <a:t>12/4/2018</a:t>
             </a:fld>
             <a:endParaRPr lang="en-US"/>
           </a:p>
@@ -6010,7 +6016,7 @@
           <a:ln/>
           <a:extLst>
             <a:ext uri="{91240B29-F687-4f45-9708-019B960494DF}">
-              <a14:hiddenLine xmlns:a14="http://schemas.microsoft.com/office/drawing/2010/main" xmlns="" w="9525">
+              <a14:hiddenLine xmlns="" xmlns:a14="http://schemas.microsoft.com/office/drawing/2010/main" w="9525">
                 <a:solidFill>
                   <a:srgbClr val="000000"/>
                 </a:solidFill>
@@ -6194,7 +6200,7 @@
           <a:p>
             <a:fld id="{3204155D-975E-45C8-9D57-F1D1A3FC53D3}" type="datetimeFigureOut">
               <a:rPr lang="en-US" smtClean="0"/>
-              <a:t>12/3/2018</a:t>
+              <a:t>12/4/2018</a:t>
             </a:fld>
             <a:endParaRPr lang="en-US"/>
           </a:p>
@@ -6349,7 +6355,7 @@
           <a:ln/>
           <a:extLst>
             <a:ext uri="{91240B29-F687-4f45-9708-019B960494DF}">
-              <a14:hiddenLine xmlns:a14="http://schemas.microsoft.com/office/drawing/2010/main" xmlns="" w="9525">
+              <a14:hiddenLine xmlns="" xmlns:a14="http://schemas.microsoft.com/office/drawing/2010/main" w="9525">
                 <a:solidFill>
                   <a:srgbClr val="000000"/>
                 </a:solidFill>
@@ -6671,7 +6677,7 @@
           <a:p>
             <a:fld id="{3204155D-975E-45C8-9D57-F1D1A3FC53D3}" type="datetimeFigureOut">
               <a:rPr lang="en-US" smtClean="0"/>
-              <a:t>12/3/2018</a:t>
+              <a:t>12/4/2018</a:t>
             </a:fld>
             <a:endParaRPr lang="en-US"/>
           </a:p>
@@ -6826,7 +6832,7 @@
           <a:ln/>
           <a:extLst>
             <a:ext uri="{91240B29-F687-4f45-9708-019B960494DF}">
-              <a14:hiddenLine xmlns:a14="http://schemas.microsoft.com/office/drawing/2010/main" xmlns="" w="9525">
+              <a14:hiddenLine xmlns="" xmlns:a14="http://schemas.microsoft.com/office/drawing/2010/main" w="9525">
                 <a:solidFill>
                   <a:srgbClr val="000000"/>
                 </a:solidFill>
@@ -6892,7 +6898,7 @@
           <a:p>
             <a:fld id="{3204155D-975E-45C8-9D57-F1D1A3FC53D3}" type="datetimeFigureOut">
               <a:rPr lang="en-US" smtClean="0"/>
-              <a:t>12/3/2018</a:t>
+              <a:t>12/4/2018</a:t>
             </a:fld>
             <a:endParaRPr lang="en-US"/>
           </a:p>
@@ -6987,7 +6993,7 @@
           <a:p>
             <a:fld id="{3204155D-975E-45C8-9D57-F1D1A3FC53D3}" type="datetimeFigureOut">
               <a:rPr lang="en-US" smtClean="0"/>
-              <a:t>12/3/2018</a:t>
+              <a:t>12/4/2018</a:t>
             </a:fld>
             <a:endParaRPr lang="en-US"/>
           </a:p>
@@ -7255,7 +7261,7 @@
           <a:ln/>
           <a:extLst>
             <a:ext uri="{91240B29-F687-4f45-9708-019B960494DF}">
-              <a14:hiddenLine xmlns:a14="http://schemas.microsoft.com/office/drawing/2010/main" xmlns="" w="9525">
+              <a14:hiddenLine xmlns="" xmlns:a14="http://schemas.microsoft.com/office/drawing/2010/main" w="9525">
                 <a:solidFill>
                   <a:srgbClr val="000000"/>
                 </a:solidFill>
@@ -7454,7 +7460,7 @@
           <a:p>
             <a:fld id="{3204155D-975E-45C8-9D57-F1D1A3FC53D3}" type="datetimeFigureOut">
               <a:rPr lang="en-US" smtClean="0"/>
-              <a:t>12/3/2018</a:t>
+              <a:t>12/4/2018</a:t>
             </a:fld>
             <a:endParaRPr lang="en-US"/>
           </a:p>
@@ -7767,7 +7773,7 @@
           <a:p>
             <a:fld id="{3204155D-975E-45C8-9D57-F1D1A3FC53D3}" type="datetimeFigureOut">
               <a:rPr lang="en-US" smtClean="0"/>
-              <a:t>12/3/2018</a:t>
+              <a:t>12/4/2018</a:t>
             </a:fld>
             <a:endParaRPr lang="en-US"/>
           </a:p>
@@ -8037,7 +8043,7 @@
           <a:p>
             <a:fld id="{3204155D-975E-45C8-9D57-F1D1A3FC53D3}" type="datetimeFigureOut">
               <a:rPr lang="en-US" smtClean="0"/>
-              <a:t>12/3/2018</a:t>
+              <a:t>12/4/2018</a:t>
             </a:fld>
             <a:endParaRPr lang="en-US"/>
           </a:p>
@@ -8582,35 +8588,6 @@
           <a:chExt cx="0" cy="0"/>
         </a:xfrm>
       </p:grpSpPr>
-      <p:sp>
-        <p:nvSpPr>
-          <p:cNvPr id="2" name="Title 1">
-            <a:extLst>
-              <a:ext uri="{FF2B5EF4-FFF2-40B4-BE49-F238E27FC236}">
-                <a16:creationId xmlns:a16="http://schemas.microsoft.com/office/drawing/2014/main" id="{00143F23-C4B3-47B9-BBD7-48173F82D308}"/>
-              </a:ext>
-            </a:extLst>
-          </p:cNvPr>
-          <p:cNvSpPr>
-            <a:spLocks noGrp="1"/>
-          </p:cNvSpPr>
-          <p:nvPr>
-            <p:ph type="title"/>
-          </p:nvPr>
-        </p:nvSpPr>
-        <p:spPr/>
-        <p:txBody>
-          <a:bodyPr/>
-          <a:lstStyle/>
-          <a:p>
-            <a:r>
-              <a:rPr lang="en-IN" dirty="0"/>
-              <a:t>Collaborative Filtering</a:t>
-            </a:r>
-            <a:endParaRPr lang="en-US" dirty="0"/>
-          </a:p>
-        </p:txBody>
-      </p:sp>
       <p:pic>
         <p:nvPicPr>
           <p:cNvPr id="4" name="Picture 3">
@@ -8671,6 +8648,50 @@
           </a:prstGeom>
         </p:spPr>
       </p:pic>
+      <p:sp>
+        <p:nvSpPr>
+          <p:cNvPr id="7" name="Title 1">
+            <a:extLst>
+              <a:ext uri="{FF2B5EF4-FFF2-40B4-BE49-F238E27FC236}">
+                <a16:creationId xmlns:a16="http://schemas.microsoft.com/office/drawing/2014/main" id="{0F778CB9-4A1B-4C40-B1EF-5B078955FB80}"/>
+              </a:ext>
+            </a:extLst>
+          </p:cNvPr>
+          <p:cNvSpPr>
+            <a:spLocks noGrp="1"/>
+          </p:cNvSpPr>
+          <p:nvPr>
+            <p:ph type="title"/>
+          </p:nvPr>
+        </p:nvSpPr>
+        <p:spPr>
+          <a:xfrm>
+            <a:off x="390525" y="409088"/>
+            <a:ext cx="11658600" cy="970450"/>
+          </a:xfrm>
+        </p:spPr>
+        <p:txBody>
+          <a:bodyPr/>
+          <a:lstStyle/>
+          <a:p>
+            <a:br>
+              <a:rPr lang="en-IN" sz="3600" dirty="0"/>
+            </a:br>
+            <a:r>
+              <a:rPr lang="en-IN" sz="1800" dirty="0"/>
+              <a:t>Memory-based Collaborative Filtering</a:t>
+            </a:r>
+            <a:br>
+              <a:rPr lang="en-IN" sz="3600" dirty="0"/>
+            </a:br>
+            <a:r>
+              <a:rPr lang="en-IN" sz="3600" dirty="0"/>
+              <a:t>User-Based and Item-based using Cosine Similarity</a:t>
+            </a:r>
+            <a:endParaRPr lang="en-US" sz="3600" dirty="0"/>
+          </a:p>
+        </p:txBody>
+      </p:sp>
     </p:spTree>
     <p:extLst>
       <p:ext uri="{BB962C8B-B14F-4D97-AF65-F5344CB8AC3E}">
@@ -8706,7 +8727,7 @@
           <p:cNvPr id="2" name="Title 1">
             <a:extLst>
               <a:ext uri="{FF2B5EF4-FFF2-40B4-BE49-F238E27FC236}">
-                <a16:creationId xmlns:a16="http://schemas.microsoft.com/office/drawing/2014/main" id="{E17DFB41-A75C-4E27-90C0-82CD72503320}"/>
+                <a16:creationId xmlns:a16="http://schemas.microsoft.com/office/drawing/2014/main" id="{C90336C1-1105-4902-88BE-832D7F58D9D0}"/>
               </a:ext>
             </a:extLst>
           </p:cNvPr>
@@ -8723,8 +8744,15 @@
           <a:lstStyle/>
           <a:p>
             <a:r>
+              <a:rPr lang="en-IN" sz="2400" dirty="0"/>
+              <a:t>Memory-based Collaborative Filtering</a:t>
+            </a:r>
+            <a:br>
               <a:rPr lang="en-IN" dirty="0"/>
-              <a:t>SVD</a:t>
+            </a:br>
+            <a:r>
+              <a:rPr lang="en-IN" dirty="0"/>
+              <a:t>KNN</a:t>
             </a:r>
             <a:endParaRPr lang="en-US" dirty="0"/>
           </a:p>
@@ -8735,7 +8763,7 @@
           <p:cNvPr id="3" name="Content Placeholder 2">
             <a:extLst>
               <a:ext uri="{FF2B5EF4-FFF2-40B4-BE49-F238E27FC236}">
-                <a16:creationId xmlns:a16="http://schemas.microsoft.com/office/drawing/2014/main" id="{8BED0880-FE11-488B-A745-3FA44C105D15}"/>
+                <a16:creationId xmlns:a16="http://schemas.microsoft.com/office/drawing/2014/main" id="{E2A707E6-31E6-4D83-8D7F-FCB5ECB5EA25}"/>
               </a:ext>
             </a:extLst>
           </p:cNvPr>
@@ -8758,7 +8786,7 @@
     </p:spTree>
     <p:extLst>
       <p:ext uri="{BB962C8B-B14F-4D97-AF65-F5344CB8AC3E}">
-        <p14:creationId xmlns:p14="http://schemas.microsoft.com/office/powerpoint/2010/main" val="2146580021"/>
+        <p14:creationId xmlns:p14="http://schemas.microsoft.com/office/powerpoint/2010/main" val="1032795461"/>
       </p:ext>
     </p:extLst>
   </p:cSld>
@@ -8790,7 +8818,7 @@
           <p:cNvPr id="2" name="Title 1">
             <a:extLst>
               <a:ext uri="{FF2B5EF4-FFF2-40B4-BE49-F238E27FC236}">
-                <a16:creationId xmlns:a16="http://schemas.microsoft.com/office/drawing/2014/main" id="{C90336C1-1105-4902-88BE-832D7F58D9D0}"/>
+                <a16:creationId xmlns:a16="http://schemas.microsoft.com/office/drawing/2014/main" id="{A5649800-3B12-41EF-8336-94DA02563482}"/>
               </a:ext>
             </a:extLst>
           </p:cNvPr>
@@ -8808,7 +8836,7 @@
           <a:p>
             <a:r>
               <a:rPr lang="en-IN" dirty="0"/>
-              <a:t>KNN</a:t>
+              <a:t>Model-based Collaborative Filtering</a:t>
             </a:r>
             <a:endParaRPr lang="en-US" dirty="0"/>
           </a:p>
@@ -8816,33 +8844,118 @@
       </p:sp>
       <p:sp>
         <p:nvSpPr>
-          <p:cNvPr id="3" name="Content Placeholder 2">
+          <p:cNvPr id="4" name="TextBox 3">
             <a:extLst>
               <a:ext uri="{FF2B5EF4-FFF2-40B4-BE49-F238E27FC236}">
-                <a16:creationId xmlns:a16="http://schemas.microsoft.com/office/drawing/2014/main" id="{E2A707E6-31E6-4D83-8D7F-FCB5ECB5EA25}"/>
+                <a16:creationId xmlns:a16="http://schemas.microsoft.com/office/drawing/2014/main" id="{99DA7089-107E-45AD-9D53-44CE05B16520}"/>
               </a:ext>
             </a:extLst>
           </p:cNvPr>
-          <p:cNvSpPr>
-            <a:spLocks noGrp="1"/>
-          </p:cNvSpPr>
-          <p:nvPr>
-            <p:ph idx="1"/>
-          </p:nvPr>
-        </p:nvSpPr>
-        <p:spPr/>
+          <p:cNvSpPr txBox="1"/>
+          <p:nvPr/>
+        </p:nvSpPr>
+        <p:spPr>
+          <a:xfrm>
+            <a:off x="469232" y="2406312"/>
+            <a:ext cx="10912766" cy="4247317"/>
+          </a:xfrm>
+          <a:prstGeom prst="rect">
+            <a:avLst/>
+          </a:prstGeom>
+          <a:noFill/>
+        </p:spPr>
         <p:txBody>
-          <a:bodyPr/>
+          <a:bodyPr wrap="square" rtlCol="0">
+            <a:spAutoFit/>
+          </a:bodyPr>
           <a:lstStyle/>
           <a:p>
-            <a:endParaRPr lang="en-US"/>
+            <a:pPr marL="285750" indent="-285750">
+              <a:buFont typeface="Arial" panose="020B0604020202020204" pitchFamily="34" charset="0"/>
+              <a:buChar char="•"/>
+            </a:pPr>
+            <a:r>
+              <a:rPr lang="en-IN" dirty="0"/>
+              <a:t>Models are developed using different data mining, machine learning algorithms to predict users' rating of unrated items</a:t>
+            </a:r>
+            <a:br>
+              <a:rPr lang="en-IN" dirty="0"/>
+            </a:br>
+            <a:endParaRPr lang="en-IN" dirty="0"/>
+          </a:p>
+          <a:p>
+            <a:pPr marL="285750" indent="-285750">
+              <a:buFont typeface="Arial" panose="020B0604020202020204" pitchFamily="34" charset="0"/>
+              <a:buChar char="•"/>
+            </a:pPr>
+            <a:r>
+              <a:rPr lang="en-IN" dirty="0"/>
+              <a:t>Dimensionality reduction methods mostly used as complementary technique to improve robustness and accuracy of memory-based approach</a:t>
+            </a:r>
+            <a:br>
+              <a:rPr lang="en-IN" dirty="0"/>
+            </a:br>
+            <a:endParaRPr lang="en-IN" dirty="0"/>
+          </a:p>
+          <a:p>
+            <a:pPr marL="285750" indent="-285750">
+              <a:buFont typeface="Arial" panose="020B0604020202020204" pitchFamily="34" charset="0"/>
+              <a:buChar char="•"/>
+            </a:pPr>
+            <a:r>
+              <a:rPr lang="en-IN" dirty="0"/>
+              <a:t>Methods like singular value decomposition, principle component analysis, known as latent factor models, compress user-item matrix into a low-dimensional representation in terms of latent factors </a:t>
+            </a:r>
+            <a:br>
+              <a:rPr lang="en-IN" dirty="0"/>
+            </a:br>
+            <a:endParaRPr lang="en-IN" dirty="0"/>
+          </a:p>
+          <a:p>
+            <a:pPr marL="285750" indent="-285750">
+              <a:buFont typeface="Arial" panose="020B0604020202020204" pitchFamily="34" charset="0"/>
+              <a:buChar char="•"/>
+            </a:pPr>
+            <a:r>
+              <a:rPr lang="en-IN" dirty="0"/>
+              <a:t>Instead of having a high dimensional matrix containing abundant number of missing values we have a much smaller matrix in lower-dimensional space</a:t>
+            </a:r>
+            <a:br>
+              <a:rPr lang="en-IN" dirty="0"/>
+            </a:br>
+            <a:endParaRPr lang="en-IN" dirty="0"/>
+          </a:p>
+          <a:p>
+            <a:pPr marL="285750" indent="-285750">
+              <a:buFont typeface="Arial" panose="020B0604020202020204" pitchFamily="34" charset="0"/>
+              <a:buChar char="•"/>
+            </a:pPr>
+            <a:r>
+              <a:rPr lang="en-IN" dirty="0"/>
+              <a:t>Can be used for user-based or item-based </a:t>
+            </a:r>
+            <a:r>
+              <a:rPr lang="en-IN" dirty="0" err="1"/>
+              <a:t>neighborhood</a:t>
+            </a:r>
+            <a:r>
+              <a:rPr lang="en-IN" dirty="0"/>
+              <a:t> algorithms</a:t>
+            </a:r>
+          </a:p>
+          <a:p>
+            <a:pPr marL="285750" indent="-285750">
+              <a:buFont typeface="Arial" panose="020B0604020202020204" pitchFamily="34" charset="0"/>
+              <a:buChar char="•"/>
+            </a:pPr>
+            <a:endParaRPr lang="en-US" dirty="0"/>
           </a:p>
         </p:txBody>
       </p:sp>
     </p:spTree>
     <p:extLst>
       <p:ext uri="{BB962C8B-B14F-4D97-AF65-F5344CB8AC3E}">
-        <p14:creationId xmlns:p14="http://schemas.microsoft.com/office/powerpoint/2010/main" val="1032795461"/>
+        <p14:creationId xmlns:p14="http://schemas.microsoft.com/office/powerpoint/2010/main" val="2109557062"/>
       </p:ext>
     </p:extLst>
   </p:cSld>
@@ -8874,6 +8987,227 @@
           <p:cNvPr id="2" name="Title 1">
             <a:extLst>
               <a:ext uri="{FF2B5EF4-FFF2-40B4-BE49-F238E27FC236}">
+                <a16:creationId xmlns:a16="http://schemas.microsoft.com/office/drawing/2014/main" id="{E17DFB41-A75C-4E27-90C0-82CD72503320}"/>
+              </a:ext>
+            </a:extLst>
+          </p:cNvPr>
+          <p:cNvSpPr>
+            <a:spLocks noGrp="1"/>
+          </p:cNvSpPr>
+          <p:nvPr>
+            <p:ph type="title"/>
+          </p:nvPr>
+        </p:nvSpPr>
+        <p:spPr/>
+        <p:txBody>
+          <a:bodyPr/>
+          <a:lstStyle/>
+          <a:p>
+            <a:br>
+              <a:rPr lang="en-IN" dirty="0"/>
+            </a:br>
+            <a:r>
+              <a:rPr lang="en-IN" sz="2400" dirty="0"/>
+              <a:t>Model-based Collaborative filtering</a:t>
+            </a:r>
+            <a:br>
+              <a:rPr lang="en-IN" dirty="0"/>
+            </a:br>
+            <a:r>
+              <a:rPr lang="en-IN" dirty="0"/>
+              <a:t>SVD</a:t>
+            </a:r>
+            <a:endParaRPr lang="en-US" dirty="0"/>
+          </a:p>
+        </p:txBody>
+      </p:sp>
+      <p:sp>
+        <p:nvSpPr>
+          <p:cNvPr id="4" name="TextBox 3">
+            <a:extLst>
+              <a:ext uri="{FF2B5EF4-FFF2-40B4-BE49-F238E27FC236}">
+                <a16:creationId xmlns:a16="http://schemas.microsoft.com/office/drawing/2014/main" id="{80E81EF7-7549-4456-BE07-655B43A95FE6}"/>
+              </a:ext>
+            </a:extLst>
+          </p:cNvPr>
+          <p:cNvSpPr txBox="1"/>
+          <p:nvPr/>
+        </p:nvSpPr>
+        <p:spPr>
+          <a:xfrm>
+            <a:off x="493295" y="2406312"/>
+            <a:ext cx="11044989" cy="3139321"/>
+          </a:xfrm>
+          <a:prstGeom prst="rect">
+            <a:avLst/>
+          </a:prstGeom>
+          <a:noFill/>
+        </p:spPr>
+        <p:txBody>
+          <a:bodyPr wrap="square" rtlCol="0">
+            <a:spAutoFit/>
+          </a:bodyPr>
+          <a:lstStyle/>
+          <a:p>
+            <a:pPr marL="285750" indent="-285750">
+              <a:buFont typeface="Arial" panose="020B0604020202020204" pitchFamily="34" charset="0"/>
+              <a:buChar char="•"/>
+            </a:pPr>
+            <a:r>
+              <a:rPr lang="en-IN" dirty="0"/>
+              <a:t>Matrix factorization technique that is usually used to reduce the number of features of a data set by reducing space dimensions from N to K where K &lt; N</a:t>
+            </a:r>
+          </a:p>
+          <a:p>
+            <a:pPr marL="285750" indent="-285750">
+              <a:buFont typeface="Arial" panose="020B0604020202020204" pitchFamily="34" charset="0"/>
+              <a:buChar char="•"/>
+            </a:pPr>
+            <a:r>
+              <a:rPr lang="en-IN" dirty="0"/>
+              <a:t>The matrix factorization is done on the user-item ratings matrix</a:t>
+            </a:r>
+          </a:p>
+          <a:p>
+            <a:pPr marL="285750" indent="-285750">
+              <a:buFont typeface="Arial" panose="020B0604020202020204" pitchFamily="34" charset="0"/>
+              <a:buChar char="•"/>
+            </a:pPr>
+            <a:r>
+              <a:rPr lang="en-IN" dirty="0"/>
+              <a:t>Each item represented by vector `</a:t>
+            </a:r>
+            <a:r>
+              <a:rPr lang="en-IN" i="1" dirty="0"/>
+              <a:t>qi</a:t>
+            </a:r>
+            <a:r>
+              <a:rPr lang="en-IN" dirty="0"/>
+              <a:t>` , each user can be represented by a vector `</a:t>
+            </a:r>
+            <a:r>
+              <a:rPr lang="en-IN" i="1" dirty="0" err="1"/>
+              <a:t>pu</a:t>
+            </a:r>
+            <a:r>
+              <a:rPr lang="en-IN" dirty="0"/>
+              <a:t>`</a:t>
+            </a:r>
+          </a:p>
+          <a:p>
+            <a:pPr marL="285750" indent="-285750">
+              <a:buFont typeface="Arial" panose="020B0604020202020204" pitchFamily="34" charset="0"/>
+              <a:buChar char="•"/>
+            </a:pPr>
+            <a:r>
+              <a:rPr lang="en-IN" dirty="0"/>
+              <a:t>Dot product of those 2 vectors is the expected rating</a:t>
+            </a:r>
+          </a:p>
+          <a:p>
+            <a:pPr marL="285750" indent="-285750">
+              <a:buFont typeface="Arial" panose="020B0604020202020204" pitchFamily="34" charset="0"/>
+              <a:buChar char="•"/>
+            </a:pPr>
+            <a:r>
+              <a:rPr lang="en-IN" dirty="0"/>
+              <a:t>The goal is to minimise the square error difference between their dot product and the known rating in the user-item matrix</a:t>
+            </a:r>
+          </a:p>
+          <a:p>
+            <a:pPr marL="285750" indent="-285750">
+              <a:buFont typeface="Arial" panose="020B0604020202020204" pitchFamily="34" charset="0"/>
+              <a:buChar char="•"/>
+            </a:pPr>
+            <a:r>
+              <a:rPr lang="en-IN" dirty="0"/>
+              <a:t>To avoid over-fitting and to reduce the error between the predicted and actual value, penalty and bias terms are added</a:t>
+            </a:r>
+          </a:p>
+          <a:p>
+            <a:pPr marL="285750" indent="-285750">
+              <a:buFont typeface="Arial" panose="020B0604020202020204" pitchFamily="34" charset="0"/>
+              <a:buChar char="•"/>
+            </a:pPr>
+            <a:r>
+              <a:rPr lang="en-IN" dirty="0"/>
+              <a:t>The equation is minimised using SGD</a:t>
+            </a:r>
+          </a:p>
+          <a:p>
+            <a:pPr marL="285750" indent="-285750">
+              <a:buFont typeface="Arial" panose="020B0604020202020204" pitchFamily="34" charset="0"/>
+              <a:buChar char="•"/>
+            </a:pPr>
+            <a:endParaRPr lang="en-US" dirty="0"/>
+          </a:p>
+        </p:txBody>
+      </p:sp>
+      <p:pic>
+        <p:nvPicPr>
+          <p:cNvPr id="5" name="Picture 4">
+            <a:extLst>
+              <a:ext uri="{FF2B5EF4-FFF2-40B4-BE49-F238E27FC236}">
+                <a16:creationId xmlns:a16="http://schemas.microsoft.com/office/drawing/2014/main" id="{4ABE13C1-FF61-4576-98A2-024C6CBA7D66}"/>
+              </a:ext>
+            </a:extLst>
+          </p:cNvPr>
+          <p:cNvPicPr>
+            <a:picLocks noChangeAspect="1"/>
+          </p:cNvPicPr>
+          <p:nvPr/>
+        </p:nvPicPr>
+        <p:blipFill>
+          <a:blip r:embed="rId2"/>
+          <a:stretch>
+            <a:fillRect/>
+          </a:stretch>
+        </p:blipFill>
+        <p:spPr>
+          <a:xfrm>
+            <a:off x="2044367" y="5537278"/>
+            <a:ext cx="8039100" cy="981075"/>
+          </a:xfrm>
+          <a:prstGeom prst="rect">
+            <a:avLst/>
+          </a:prstGeom>
+        </p:spPr>
+      </p:pic>
+    </p:spTree>
+    <p:extLst>
+      <p:ext uri="{BB962C8B-B14F-4D97-AF65-F5344CB8AC3E}">
+        <p14:creationId xmlns:p14="http://schemas.microsoft.com/office/powerpoint/2010/main" val="2146580021"/>
+      </p:ext>
+    </p:extLst>
+  </p:cSld>
+  <p:clrMapOvr>
+    <a:masterClrMapping/>
+  </p:clrMapOvr>
+</p:sld>
+</file>
+
+<file path=ppt/slides/slide14.xml><?xml version="1.0" encoding="utf-8"?>
+<p:sld xmlns:a="http://schemas.openxmlformats.org/drawingml/2006/main" xmlns:r="http://schemas.openxmlformats.org/officeDocument/2006/relationships" xmlns:p="http://schemas.openxmlformats.org/presentationml/2006/main">
+  <p:cSld>
+    <p:spTree>
+      <p:nvGrpSpPr>
+        <p:cNvPr id="1" name=""/>
+        <p:cNvGrpSpPr/>
+        <p:nvPr/>
+      </p:nvGrpSpPr>
+      <p:grpSpPr>
+        <a:xfrm>
+          <a:off x="0" y="0"/>
+          <a:ext cx="0" cy="0"/>
+          <a:chOff x="0" y="0"/>
+          <a:chExt cx="0" cy="0"/>
+        </a:xfrm>
+      </p:grpSpPr>
+      <p:sp>
+        <p:nvSpPr>
+          <p:cNvPr id="2" name="Title 1">
+            <a:extLst>
+              <a:ext uri="{FF2B5EF4-FFF2-40B4-BE49-F238E27FC236}">
                 <a16:creationId xmlns:a16="http://schemas.microsoft.com/office/drawing/2014/main" id="{F9908483-D8D0-4A5F-9133-0A585B038144}"/>
               </a:ext>
             </a:extLst>
@@ -8890,6 +9224,13 @@
           <a:bodyPr/>
           <a:lstStyle/>
           <a:p>
+            <a:r>
+              <a:rPr lang="en-IN" sz="2400" dirty="0"/>
+              <a:t>Hybrid Model</a:t>
+            </a:r>
+            <a:br>
+              <a:rPr lang="en-IN" dirty="0"/>
+            </a:br>
             <a:r>
               <a:rPr lang="en-IN" dirty="0"/>
               <a:t>Learn-to-rank</a:t>
@@ -8936,7 +9277,7 @@
 </p:sld>
 </file>
 
-<file path=ppt/slides/slide14.xml><?xml version="1.0" encoding="utf-8"?>
+<file path=ppt/slides/slide15.xml><?xml version="1.0" encoding="utf-8"?>
 <p:sld xmlns:a="http://schemas.openxmlformats.org/drawingml/2006/main" xmlns:r="http://schemas.openxmlformats.org/officeDocument/2006/relationships" xmlns:p="http://schemas.openxmlformats.org/presentationml/2006/main">
   <p:cSld>
     <p:spTree>
@@ -9219,22 +9560,22 @@
               <a:rPr lang="en-IN" dirty="0"/>
             </a:br>
             <a:r>
-              <a:rPr lang="en-IN" dirty="0"/>
+              <a:rPr lang="en-IN" sz="2400" dirty="0"/>
               <a:t>I want to read something new but I don’t know what! </a:t>
             </a:r>
             <a:r>
-              <a:rPr lang="en-IN" dirty="0">
+              <a:rPr lang="en-IN" sz="2400" dirty="0">
                 <a:sym typeface="Wingdings" panose="05000000000000000000" pitchFamily="2" charset="2"/>
               </a:rPr>
               <a:t></a:t>
             </a:r>
             <a:br>
-              <a:rPr lang="en-IN" dirty="0">
+              <a:rPr lang="en-IN" sz="2400" dirty="0">
                 <a:sym typeface="Wingdings" panose="05000000000000000000" pitchFamily="2" charset="2"/>
               </a:rPr>
             </a:br>
             <a:r>
-              <a:rPr lang="en-IN" sz="2800" dirty="0">
+              <a:rPr lang="en-IN" dirty="0">
                 <a:sym typeface="Wingdings" panose="05000000000000000000" pitchFamily="2" charset="2"/>
               </a:rPr>
               <a:t>Background</a:t>
@@ -9258,7 +9599,7 @@
         <p:spPr>
           <a:xfrm>
             <a:off x="523875" y="2381250"/>
-            <a:ext cx="10858123" cy="4247317"/>
+            <a:ext cx="10858123" cy="4801314"/>
           </a:xfrm>
           <a:prstGeom prst="rect">
             <a:avLst/>
@@ -9368,7 +9709,27 @@
             </a:pPr>
             <a:r>
               <a:rPr lang="en-IN" dirty="0"/>
-              <a:t>Collaborative Filtering</a:t>
+              <a:t>Memory-based Collaborative Filtering</a:t>
+            </a:r>
+          </a:p>
+          <a:p>
+            <a:pPr marL="1200150" lvl="2" indent="-285750">
+              <a:buFont typeface="Arial" panose="020B0604020202020204" pitchFamily="34" charset="0"/>
+              <a:buChar char="•"/>
+            </a:pPr>
+            <a:r>
+              <a:rPr lang="en-IN" dirty="0"/>
+              <a:t>User-based and Item-based using Cosine Similarity </a:t>
+            </a:r>
+          </a:p>
+          <a:p>
+            <a:pPr marL="1200150" lvl="2" indent="-285750">
+              <a:buFont typeface="Arial" panose="020B0604020202020204" pitchFamily="34" charset="0"/>
+              <a:buChar char="•"/>
+            </a:pPr>
+            <a:r>
+              <a:rPr lang="en-IN" dirty="0"/>
+              <a:t>KNN</a:t>
             </a:r>
           </a:p>
           <a:p>
@@ -9378,6 +9739,16 @@
             </a:pPr>
             <a:r>
               <a:rPr lang="en-IN" dirty="0"/>
+              <a:t>Model-based Collaborative Filtering </a:t>
+            </a:r>
+          </a:p>
+          <a:p>
+            <a:pPr marL="1200150" lvl="2" indent="-285750">
+              <a:buFont typeface="Arial" panose="020B0604020202020204" pitchFamily="34" charset="0"/>
+              <a:buChar char="•"/>
+            </a:pPr>
+            <a:r>
+              <a:rPr lang="en-IN" dirty="0"/>
               <a:t>SVD and the Surprise package</a:t>
             </a:r>
           </a:p>
@@ -9388,17 +9759,7 @@
             </a:pPr>
             <a:r>
               <a:rPr lang="en-IN" dirty="0"/>
-              <a:t>KNN</a:t>
-            </a:r>
-          </a:p>
-          <a:p>
-            <a:pPr marL="742950" lvl="1" indent="-285750">
-              <a:buFont typeface="Arial" panose="020B0604020202020204" pitchFamily="34" charset="0"/>
-              <a:buChar char="•"/>
-            </a:pPr>
-            <a:r>
-              <a:rPr lang="en-IN" dirty="0"/>
-              <a:t>Learn-to-rank</a:t>
+              <a:t>Hybrid Content + Collaborative (Learn-to-rank)</a:t>
             </a:r>
             <a:br>
               <a:rPr lang="en-IN" dirty="0"/>
@@ -9480,14 +9841,14 @@
               <a:rPr lang="en-IN" dirty="0"/>
             </a:br>
             <a:r>
+              <a:rPr lang="en-IN" sz="2000" dirty="0"/>
+              <a:t>Who Read What?  </a:t>
+            </a:r>
+            <a:br>
+              <a:rPr lang="en-IN" sz="2000" dirty="0"/>
+            </a:br>
+            <a:r>
               <a:rPr lang="en-IN" dirty="0"/>
-              <a:t>Who Read What?  </a:t>
-            </a:r>
-            <a:br>
-              <a:rPr lang="en-IN" dirty="0"/>
-            </a:br>
-            <a:r>
-              <a:rPr lang="en-IN" sz="2400" dirty="0"/>
               <a:t>Data and Cleaning</a:t>
             </a:r>
             <a:endParaRPr lang="en-US" sz="4400" dirty="0"/>
@@ -9635,42 +9996,6 @@
           <a:chExt cx="0" cy="0"/>
         </a:xfrm>
       </p:grpSpPr>
-      <p:sp>
-        <p:nvSpPr>
-          <p:cNvPr id="2" name="Title 1">
-            <a:extLst>
-              <a:ext uri="{FF2B5EF4-FFF2-40B4-BE49-F238E27FC236}">
-                <a16:creationId xmlns:a16="http://schemas.microsoft.com/office/drawing/2014/main" id="{8FD4CFEB-DF46-4D22-A4FC-899BCDFC1F79}"/>
-              </a:ext>
-            </a:extLst>
-          </p:cNvPr>
-          <p:cNvSpPr>
-            <a:spLocks noGrp="1"/>
-          </p:cNvSpPr>
-          <p:nvPr>
-            <p:ph type="title"/>
-          </p:nvPr>
-        </p:nvSpPr>
-        <p:spPr/>
-        <p:txBody>
-          <a:bodyPr/>
-          <a:lstStyle/>
-          <a:p>
-            <a:r>
-              <a:rPr lang="en-IN" dirty="0"/>
-              <a:t>Who Read What?  </a:t>
-            </a:r>
-            <a:br>
-              <a:rPr lang="en-IN" dirty="0"/>
-            </a:br>
-            <a:r>
-              <a:rPr lang="en-IN" sz="2400" dirty="0"/>
-              <a:t>Data and Cleaning</a:t>
-            </a:r>
-            <a:endParaRPr lang="en-US" dirty="0"/>
-          </a:p>
-        </p:txBody>
-      </p:sp>
       <p:graphicFrame>
         <p:nvGraphicFramePr>
           <p:cNvPr id="5" name="Diagram 4">
@@ -9699,6 +10024,137 @@
           </a:graphicData>
         </a:graphic>
       </p:graphicFrame>
+      <p:sp>
+        <p:nvSpPr>
+          <p:cNvPr id="8" name="Title 1">
+            <a:extLst>
+              <a:ext uri="{FF2B5EF4-FFF2-40B4-BE49-F238E27FC236}">
+                <a16:creationId xmlns:a16="http://schemas.microsoft.com/office/drawing/2014/main" id="{1B2C9C45-9048-41DC-8C6F-A95C5F1ADD20}"/>
+              </a:ext>
+            </a:extLst>
+          </p:cNvPr>
+          <p:cNvSpPr txBox="1">
+            <a:spLocks/>
+          </p:cNvSpPr>
+          <p:nvPr/>
+        </p:nvSpPr>
+        <p:spPr>
+          <a:xfrm>
+            <a:off x="810000" y="409088"/>
+            <a:ext cx="10571998" cy="970450"/>
+          </a:xfrm>
+          <a:prstGeom prst="rect">
+            <a:avLst/>
+          </a:prstGeom>
+          <a:effectLst>
+            <a:outerShdw blurRad="50800" dir="14400000">
+              <a:srgbClr val="000000">
+                <a:alpha val="60000"/>
+              </a:srgbClr>
+            </a:outerShdw>
+          </a:effectLst>
+        </p:spPr>
+        <p:txBody>
+          <a:bodyPr vert="horz" lIns="91440" tIns="45720" rIns="91440" bIns="45720" rtlCol="0" anchor="b">
+            <a:noAutofit/>
+          </a:bodyPr>
+          <a:lstStyle>
+            <a:lvl1pPr algn="l" defTabSz="457200" rtl="0" eaLnBrk="1" latinLnBrk="0" hangingPunct="1">
+              <a:spcBef>
+                <a:spcPct val="0"/>
+              </a:spcBef>
+              <a:buNone/>
+              <a:defRPr sz="4000" b="1" kern="1200">
+                <a:solidFill>
+                  <a:srgbClr val="FEFEFE"/>
+                </a:solidFill>
+                <a:latin typeface="+mj-lt"/>
+                <a:ea typeface="+mj-ea"/>
+                <a:cs typeface="+mj-cs"/>
+              </a:defRPr>
+            </a:lvl1pPr>
+            <a:lvl2pPr eaLnBrk="1" hangingPunct="1">
+              <a:defRPr>
+                <a:solidFill>
+                  <a:schemeClr val="tx2"/>
+                </a:solidFill>
+              </a:defRPr>
+            </a:lvl2pPr>
+            <a:lvl3pPr eaLnBrk="1" hangingPunct="1">
+              <a:defRPr>
+                <a:solidFill>
+                  <a:schemeClr val="tx2"/>
+                </a:solidFill>
+              </a:defRPr>
+            </a:lvl3pPr>
+            <a:lvl4pPr eaLnBrk="1" hangingPunct="1">
+              <a:defRPr>
+                <a:solidFill>
+                  <a:schemeClr val="tx2"/>
+                </a:solidFill>
+              </a:defRPr>
+            </a:lvl4pPr>
+            <a:lvl5pPr eaLnBrk="1" hangingPunct="1">
+              <a:defRPr>
+                <a:solidFill>
+                  <a:schemeClr val="tx2"/>
+                </a:solidFill>
+              </a:defRPr>
+            </a:lvl5pPr>
+            <a:lvl6pPr eaLnBrk="1" hangingPunct="1">
+              <a:defRPr>
+                <a:solidFill>
+                  <a:schemeClr val="tx2"/>
+                </a:solidFill>
+              </a:defRPr>
+            </a:lvl6pPr>
+            <a:lvl7pPr eaLnBrk="1" hangingPunct="1">
+              <a:defRPr>
+                <a:solidFill>
+                  <a:schemeClr val="tx2"/>
+                </a:solidFill>
+              </a:defRPr>
+            </a:lvl7pPr>
+            <a:lvl8pPr eaLnBrk="1" hangingPunct="1">
+              <a:defRPr>
+                <a:solidFill>
+                  <a:schemeClr val="tx2"/>
+                </a:solidFill>
+              </a:defRPr>
+            </a:lvl8pPr>
+            <a:lvl9pPr eaLnBrk="1" hangingPunct="1">
+              <a:defRPr>
+                <a:solidFill>
+                  <a:schemeClr val="tx2"/>
+                </a:solidFill>
+              </a:defRPr>
+            </a:lvl9pPr>
+          </a:lstStyle>
+          <a:p>
+            <a:br>
+              <a:rPr lang="en-IN"/>
+            </a:br>
+            <a:br>
+              <a:rPr lang="en-IN"/>
+            </a:br>
+            <a:br>
+              <a:rPr lang="en-IN"/>
+            </a:br>
+            <a:r>
+              <a:rPr lang="en-IN" sz="2000"/>
+              <a:t>Who Read What?  </a:t>
+            </a:r>
+            <a:br>
+              <a:rPr lang="en-IN" sz="2000"/>
+            </a:br>
+            <a:r>
+              <a:rPr lang="en-IN"/>
+              <a:t>Data and Cleaning</a:t>
+            </a:r>
+            <a:endParaRPr lang="en-US" sz="4400" dirty="0"/>
+          </a:p>
+        </p:txBody>
+      </p:sp>
     </p:spTree>
     <p:extLst>
       <p:ext uri="{BB962C8B-B14F-4D97-AF65-F5344CB8AC3E}">
@@ -9729,56 +10185,6 @@
           <a:chExt cx="0" cy="0"/>
         </a:xfrm>
       </p:grpSpPr>
-      <p:sp>
-        <p:nvSpPr>
-          <p:cNvPr id="2" name="Title 1">
-            <a:extLst>
-              <a:ext uri="{FF2B5EF4-FFF2-40B4-BE49-F238E27FC236}">
-                <a16:creationId xmlns:a16="http://schemas.microsoft.com/office/drawing/2014/main" id="{67835812-27E5-43F1-A8FF-12F110FEC54A}"/>
-              </a:ext>
-            </a:extLst>
-          </p:cNvPr>
-          <p:cNvSpPr>
-            <a:spLocks noGrp="1"/>
-          </p:cNvSpPr>
-          <p:nvPr>
-            <p:ph type="title"/>
-          </p:nvPr>
-        </p:nvSpPr>
-        <p:spPr>
-          <a:xfrm>
-            <a:off x="810000" y="389403"/>
-            <a:ext cx="10571998" cy="970450"/>
-          </a:xfrm>
-        </p:spPr>
-        <p:txBody>
-          <a:bodyPr/>
-          <a:lstStyle/>
-          <a:p>
-            <a:br>
-              <a:rPr lang="en-IN" dirty="0"/>
-            </a:br>
-            <a:br>
-              <a:rPr lang="en-IN" dirty="0"/>
-            </a:br>
-            <a:br>
-              <a:rPr lang="en-IN" dirty="0"/>
-            </a:br>
-            <a:r>
-              <a:rPr lang="en-IN" dirty="0"/>
-              <a:t>Who Read What?  </a:t>
-            </a:r>
-            <a:br>
-              <a:rPr lang="en-IN" dirty="0"/>
-            </a:br>
-            <a:r>
-              <a:rPr lang="en-IN" sz="2400" dirty="0"/>
-              <a:t>Data and Cleaning</a:t>
-            </a:r>
-            <a:endParaRPr lang="en-US" sz="4400" dirty="0"/>
-          </a:p>
-        </p:txBody>
-      </p:sp>
       <p:sp>
         <p:nvSpPr>
           <p:cNvPr id="3" name="TextBox 2">
@@ -9895,6 +10301,137 @@
           </a:prstGeom>
         </p:spPr>
       </p:pic>
+      <p:sp>
+        <p:nvSpPr>
+          <p:cNvPr id="8" name="Title 1">
+            <a:extLst>
+              <a:ext uri="{FF2B5EF4-FFF2-40B4-BE49-F238E27FC236}">
+                <a16:creationId xmlns:a16="http://schemas.microsoft.com/office/drawing/2014/main" id="{4539B6D6-C386-4948-9F9A-9B3BF4A1D830}"/>
+              </a:ext>
+            </a:extLst>
+          </p:cNvPr>
+          <p:cNvSpPr txBox="1">
+            <a:spLocks/>
+          </p:cNvSpPr>
+          <p:nvPr/>
+        </p:nvSpPr>
+        <p:spPr>
+          <a:xfrm>
+            <a:off x="810000" y="399563"/>
+            <a:ext cx="10571998" cy="970450"/>
+          </a:xfrm>
+          <a:prstGeom prst="rect">
+            <a:avLst/>
+          </a:prstGeom>
+          <a:effectLst>
+            <a:outerShdw blurRad="50800" dir="14400000">
+              <a:srgbClr val="000000">
+                <a:alpha val="60000"/>
+              </a:srgbClr>
+            </a:outerShdw>
+          </a:effectLst>
+        </p:spPr>
+        <p:txBody>
+          <a:bodyPr vert="horz" lIns="91440" tIns="45720" rIns="91440" bIns="45720" rtlCol="0" anchor="b">
+            <a:noAutofit/>
+          </a:bodyPr>
+          <a:lstStyle>
+            <a:lvl1pPr algn="l" defTabSz="457200" rtl="0" eaLnBrk="1" latinLnBrk="0" hangingPunct="1">
+              <a:spcBef>
+                <a:spcPct val="0"/>
+              </a:spcBef>
+              <a:buNone/>
+              <a:defRPr sz="4000" b="1" kern="1200">
+                <a:solidFill>
+                  <a:srgbClr val="FEFEFE"/>
+                </a:solidFill>
+                <a:latin typeface="+mj-lt"/>
+                <a:ea typeface="+mj-ea"/>
+                <a:cs typeface="+mj-cs"/>
+              </a:defRPr>
+            </a:lvl1pPr>
+            <a:lvl2pPr eaLnBrk="1" hangingPunct="1">
+              <a:defRPr>
+                <a:solidFill>
+                  <a:schemeClr val="tx2"/>
+                </a:solidFill>
+              </a:defRPr>
+            </a:lvl2pPr>
+            <a:lvl3pPr eaLnBrk="1" hangingPunct="1">
+              <a:defRPr>
+                <a:solidFill>
+                  <a:schemeClr val="tx2"/>
+                </a:solidFill>
+              </a:defRPr>
+            </a:lvl3pPr>
+            <a:lvl4pPr eaLnBrk="1" hangingPunct="1">
+              <a:defRPr>
+                <a:solidFill>
+                  <a:schemeClr val="tx2"/>
+                </a:solidFill>
+              </a:defRPr>
+            </a:lvl4pPr>
+            <a:lvl5pPr eaLnBrk="1" hangingPunct="1">
+              <a:defRPr>
+                <a:solidFill>
+                  <a:schemeClr val="tx2"/>
+                </a:solidFill>
+              </a:defRPr>
+            </a:lvl5pPr>
+            <a:lvl6pPr eaLnBrk="1" hangingPunct="1">
+              <a:defRPr>
+                <a:solidFill>
+                  <a:schemeClr val="tx2"/>
+                </a:solidFill>
+              </a:defRPr>
+            </a:lvl6pPr>
+            <a:lvl7pPr eaLnBrk="1" hangingPunct="1">
+              <a:defRPr>
+                <a:solidFill>
+                  <a:schemeClr val="tx2"/>
+                </a:solidFill>
+              </a:defRPr>
+            </a:lvl7pPr>
+            <a:lvl8pPr eaLnBrk="1" hangingPunct="1">
+              <a:defRPr>
+                <a:solidFill>
+                  <a:schemeClr val="tx2"/>
+                </a:solidFill>
+              </a:defRPr>
+            </a:lvl8pPr>
+            <a:lvl9pPr eaLnBrk="1" hangingPunct="1">
+              <a:defRPr>
+                <a:solidFill>
+                  <a:schemeClr val="tx2"/>
+                </a:solidFill>
+              </a:defRPr>
+            </a:lvl9pPr>
+          </a:lstStyle>
+          <a:p>
+            <a:br>
+              <a:rPr lang="en-IN"/>
+            </a:br>
+            <a:br>
+              <a:rPr lang="en-IN"/>
+            </a:br>
+            <a:br>
+              <a:rPr lang="en-IN"/>
+            </a:br>
+            <a:r>
+              <a:rPr lang="en-IN" sz="2000"/>
+              <a:t>Who Read What?  </a:t>
+            </a:r>
+            <a:br>
+              <a:rPr lang="en-IN" sz="2000"/>
+            </a:br>
+            <a:r>
+              <a:rPr lang="en-IN"/>
+              <a:t>Data and Cleaning</a:t>
+            </a:r>
+            <a:endParaRPr lang="en-US" sz="4400" dirty="0"/>
+          </a:p>
+        </p:txBody>
+      </p:sp>
     </p:spTree>
     <p:extLst>
       <p:ext uri="{BB962C8B-B14F-4D97-AF65-F5344CB8AC3E}">
@@ -9948,7 +10485,7 @@
           <a:p>
             <a:r>
               <a:rPr lang="en-IN" dirty="0"/>
-              <a:t>Collaborative Filtering</a:t>
+              <a:t>Memory-based Collaborative Filtering</a:t>
             </a:r>
             <a:endParaRPr lang="en-US" dirty="0"/>
           </a:p>
@@ -9969,7 +10506,7 @@
         <p:spPr>
           <a:xfrm>
             <a:off x="200024" y="2295525"/>
-            <a:ext cx="11953875" cy="1200329"/>
+            <a:ext cx="5202155" cy="4247317"/>
           </a:xfrm>
           <a:prstGeom prst="rect">
             <a:avLst/>
@@ -9982,9 +10519,33 @@
           </a:bodyPr>
           <a:lstStyle/>
           <a:p>
+            <a:pPr marL="285750" indent="-285750" algn="just">
+              <a:buFont typeface="Arial" panose="020B0604020202020204" pitchFamily="34" charset="0"/>
+              <a:buChar char="•"/>
+            </a:pPr>
             <a:r>
               <a:rPr lang="en-IN" dirty="0"/>
-              <a:t>Collaborative Filtering : method of making automatic predictions (filtering) about the interests of a user by collecting preferences or taste information from many users (collaborating). The underlying assumption of the collaborative filtering approach is that if a person </a:t>
+              <a:t>This approach uses user rating data to compute the similarity between users or items</a:t>
+            </a:r>
+          </a:p>
+          <a:p>
+            <a:pPr marL="285750" indent="-285750" algn="just">
+              <a:buFont typeface="Arial" panose="020B0604020202020204" pitchFamily="34" charset="0"/>
+              <a:buChar char="•"/>
+            </a:pPr>
+            <a:r>
+              <a:rPr lang="en-IN" dirty="0"/>
+              <a:t>This is used for making recommendations. This was an early approach used in many commercial systems</a:t>
+            </a:r>
+          </a:p>
+          <a:p>
+            <a:pPr marL="285750" indent="-285750" algn="just">
+              <a:buFont typeface="Arial" panose="020B0604020202020204" pitchFamily="34" charset="0"/>
+              <a:buChar char="•"/>
+            </a:pPr>
+            <a:r>
+              <a:rPr lang="en-IN" dirty="0"/>
+              <a:t>The underlying assumption  - if person </a:t>
             </a:r>
             <a:r>
               <a:rPr lang="en-IN" i="1" dirty="0"/>
@@ -10000,9 +10561,18 @@
             </a:r>
             <a:r>
               <a:rPr lang="en-IN" dirty="0"/>
-              <a:t> on an issue, A is more likely to have B's opinion on a different issue than that of a randomly chosen person. </a:t>
-            </a:r>
-            <a:endParaRPr lang="en-US" dirty="0"/>
+              <a:t> on an issue, A is more likely to have B's opinion on a different issue than that of a randomly chosen person</a:t>
+            </a:r>
+          </a:p>
+          <a:p>
+            <a:pPr marL="285750" indent="-285750" algn="just">
+              <a:buFont typeface="Arial" panose="020B0604020202020204" pitchFamily="34" charset="0"/>
+              <a:buChar char="•"/>
+            </a:pPr>
+            <a:r>
+              <a:rPr lang="en-IN" dirty="0"/>
+              <a:t>Represent dataset in a feature space- if two data are close to each other in terms of similarity, they should map to close points in the feature space</a:t>
+            </a:r>
           </a:p>
         </p:txBody>
       </p:sp>
@@ -10035,8 +10605,8 @@
         </p:blipFill>
         <p:spPr bwMode="auto">
           <a:xfrm>
-            <a:off x="3404447" y="3620453"/>
-            <a:ext cx="5383106" cy="3027997"/>
+            <a:off x="6641431" y="2295525"/>
+            <a:ext cx="5064279" cy="3792454"/>
           </a:xfrm>
           <a:prstGeom prst="rect">
             <a:avLst/>
@@ -10099,16 +10669,31 @@
             <p:ph type="title"/>
           </p:nvPr>
         </p:nvSpPr>
-        <p:spPr/>
+        <p:spPr>
+          <a:xfrm>
+            <a:off x="314325" y="409088"/>
+            <a:ext cx="11658600" cy="970450"/>
+          </a:xfrm>
+        </p:spPr>
         <p:txBody>
           <a:bodyPr/>
           <a:lstStyle/>
           <a:p>
-            <a:r>
-              <a:rPr lang="en-IN" dirty="0"/>
-              <a:t>Collaborative Filtering </a:t>
-            </a:r>
-            <a:endParaRPr lang="en-US" dirty="0"/>
+            <a:br>
+              <a:rPr lang="en-IN" sz="3600" dirty="0"/>
+            </a:br>
+            <a:r>
+              <a:rPr lang="en-IN" sz="1800" dirty="0"/>
+              <a:t>Memory-based Collaborative Filtering</a:t>
+            </a:r>
+            <a:br>
+              <a:rPr lang="en-IN" sz="3600" dirty="0"/>
+            </a:br>
+            <a:r>
+              <a:rPr lang="en-IN" sz="3600" dirty="0"/>
+              <a:t>User-Based and Item-based using Cosine Similarity</a:t>
+            </a:r>
+            <a:endParaRPr lang="en-US" sz="3600" dirty="0"/>
           </a:p>
         </p:txBody>
       </p:sp>
@@ -10134,8 +10719,8 @@
         </p:blipFill>
         <p:spPr>
           <a:xfrm>
-            <a:off x="6979255" y="4477237"/>
-            <a:ext cx="4095750" cy="1933575"/>
+            <a:off x="8475940" y="4736921"/>
+            <a:ext cx="3716060" cy="1952624"/>
           </a:xfrm>
           <a:prstGeom prst="rect">
             <a:avLst/>
@@ -10164,7 +10749,7 @@
         </p:blipFill>
         <p:spPr>
           <a:xfrm>
-            <a:off x="1040796" y="4458187"/>
+            <a:off x="0" y="4736921"/>
             <a:ext cx="4171950" cy="1952625"/>
           </a:xfrm>
           <a:prstGeom prst="rect">
@@ -10186,8 +10771,8 @@
         </p:nvSpPr>
         <p:spPr>
           <a:xfrm>
-            <a:off x="552450" y="2343150"/>
-            <a:ext cx="10829548" cy="1754326"/>
+            <a:off x="552450" y="2246894"/>
+            <a:ext cx="10829548" cy="2585323"/>
           </a:xfrm>
           <a:prstGeom prst="rect">
             <a:avLst/>
@@ -10206,7 +10791,7 @@
             </a:pPr>
             <a:r>
               <a:rPr lang="en-IN" dirty="0"/>
-              <a:t>Correlation between the users (or items) is calculated based on items rated by both the users and the ratings given</a:t>
+              <a:t>Matrix of users vs. items created</a:t>
             </a:r>
           </a:p>
           <a:p>
@@ -10216,7 +10801,7 @@
             </a:pPr>
             <a:r>
               <a:rPr lang="en-IN" dirty="0"/>
-              <a:t>Predictions calculated using similarity values</a:t>
+              <a:t>Cosine similarity between the users (or items) is calculated</a:t>
             </a:r>
           </a:p>
           <a:p>
@@ -10226,7 +10811,7 @@
             </a:pPr>
             <a:r>
               <a:rPr lang="en-IN" dirty="0"/>
-              <a:t>Users having higher correlation will tend to be similar</a:t>
+              <a:t>The cosine similarity function the difference in angle between two article directions</a:t>
             </a:r>
           </a:p>
           <a:p>
@@ -10236,14 +10821,67 @@
             </a:pPr>
             <a:r>
               <a:rPr lang="en-IN" dirty="0"/>
-              <a:t>Recommendations are made using these predictions</a:t>
-            </a:r>
+              <a:t>This difference in angle is normalized to the interval [-1, 1], where 1 implies the same direction and thus perfect similarity and -1 the complete opposite direction and thus no similarity</a:t>
+            </a:r>
+          </a:p>
+          <a:p>
+            <a:pPr marL="285750" indent="-285750">
+              <a:buFont typeface="Arial" panose="020B0604020202020204" pitchFamily="34" charset="0"/>
+              <a:buChar char="•"/>
+            </a:pPr>
+            <a:r>
+              <a:rPr lang="en-IN" dirty="0"/>
+              <a:t>Prediction of ratings calculated using similarity values</a:t>
+            </a:r>
+          </a:p>
+          <a:p>
+            <a:pPr marL="285750" indent="-285750">
+              <a:buFont typeface="Arial" panose="020B0604020202020204" pitchFamily="34" charset="0"/>
+              <a:buChar char="•"/>
+            </a:pPr>
+            <a:r>
+              <a:rPr lang="en-IN" dirty="0"/>
+              <a:t>Recommendations are made using the top predicted ratings</a:t>
+            </a:r>
+          </a:p>
+          <a:p>
+            <a:endParaRPr lang="en-IN" dirty="0"/>
           </a:p>
           <a:p>
             <a:endParaRPr lang="en-US" dirty="0"/>
           </a:p>
         </p:txBody>
       </p:sp>
+      <p:pic>
+        <p:nvPicPr>
+          <p:cNvPr id="3" name="Picture 2">
+            <a:extLst>
+              <a:ext uri="{FF2B5EF4-FFF2-40B4-BE49-F238E27FC236}">
+                <a16:creationId xmlns:a16="http://schemas.microsoft.com/office/drawing/2014/main" id="{9C2C8E49-5021-48A6-9BD5-B2FCB53F9792}"/>
+              </a:ext>
+            </a:extLst>
+          </p:cNvPr>
+          <p:cNvPicPr>
+            <a:picLocks noChangeAspect="1"/>
+          </p:cNvPicPr>
+          <p:nvPr/>
+        </p:nvPicPr>
+        <p:blipFill>
+          <a:blip r:embed="rId4"/>
+          <a:stretch>
+            <a:fillRect/>
+          </a:stretch>
+        </p:blipFill>
+        <p:spPr>
+          <a:xfrm>
+            <a:off x="4366557" y="5105887"/>
+            <a:ext cx="3914775" cy="1343025"/>
+          </a:xfrm>
+          <a:prstGeom prst="rect">
+            <a:avLst/>
+          </a:prstGeom>
+        </p:spPr>
+      </p:pic>
     </p:spTree>
     <p:extLst>
       <p:ext uri="{BB962C8B-B14F-4D97-AF65-F5344CB8AC3E}">
@@ -10274,35 +10912,6 @@
           <a:chExt cx="0" cy="0"/>
         </a:xfrm>
       </p:grpSpPr>
-      <p:sp>
-        <p:nvSpPr>
-          <p:cNvPr id="2" name="Title 1">
-            <a:extLst>
-              <a:ext uri="{FF2B5EF4-FFF2-40B4-BE49-F238E27FC236}">
-                <a16:creationId xmlns:a16="http://schemas.microsoft.com/office/drawing/2014/main" id="{A06A8520-C531-41DE-85A2-6F4D6EC265FF}"/>
-              </a:ext>
-            </a:extLst>
-          </p:cNvPr>
-          <p:cNvSpPr>
-            <a:spLocks noGrp="1"/>
-          </p:cNvSpPr>
-          <p:nvPr>
-            <p:ph type="title"/>
-          </p:nvPr>
-        </p:nvSpPr>
-        <p:spPr/>
-        <p:txBody>
-          <a:bodyPr/>
-          <a:lstStyle/>
-          <a:p>
-            <a:r>
-              <a:rPr lang="en-IN" dirty="0"/>
-              <a:t>Collaborative filtering</a:t>
-            </a:r>
-            <a:endParaRPr lang="en-US" dirty="0"/>
-          </a:p>
-        </p:txBody>
-      </p:sp>
       <p:pic>
         <p:nvPicPr>
           <p:cNvPr id="5" name="Picture 4">
@@ -10333,6 +10942,50 @@
           </a:prstGeom>
         </p:spPr>
       </p:pic>
+      <p:sp>
+        <p:nvSpPr>
+          <p:cNvPr id="7" name="Title 1">
+            <a:extLst>
+              <a:ext uri="{FF2B5EF4-FFF2-40B4-BE49-F238E27FC236}">
+                <a16:creationId xmlns:a16="http://schemas.microsoft.com/office/drawing/2014/main" id="{5BF4D731-EB4A-4802-91D7-A50F3DEC3CE0}"/>
+              </a:ext>
+            </a:extLst>
+          </p:cNvPr>
+          <p:cNvSpPr>
+            <a:spLocks noGrp="1"/>
+          </p:cNvSpPr>
+          <p:nvPr>
+            <p:ph type="title"/>
+          </p:nvPr>
+        </p:nvSpPr>
+        <p:spPr>
+          <a:xfrm>
+            <a:off x="304800" y="409088"/>
+            <a:ext cx="11658600" cy="970450"/>
+          </a:xfrm>
+        </p:spPr>
+        <p:txBody>
+          <a:bodyPr/>
+          <a:lstStyle/>
+          <a:p>
+            <a:br>
+              <a:rPr lang="en-IN" sz="3600" dirty="0"/>
+            </a:br>
+            <a:r>
+              <a:rPr lang="en-IN" sz="1800" dirty="0"/>
+              <a:t>Memory-based Collaborative Filtering</a:t>
+            </a:r>
+            <a:br>
+              <a:rPr lang="en-IN" sz="3600" dirty="0"/>
+            </a:br>
+            <a:r>
+              <a:rPr lang="en-IN" sz="3600" dirty="0"/>
+              <a:t>User-Based and Item-based using Cosine Similarity</a:t>
+            </a:r>
+            <a:endParaRPr lang="en-US" sz="3600" dirty="0"/>
+          </a:p>
+        </p:txBody>
+      </p:sp>
     </p:spTree>
     <p:extLst>
       <p:ext uri="{BB962C8B-B14F-4D97-AF65-F5344CB8AC3E}">
